--- a/Fantasy_Forest_Adventure_Presentation.pptx
+++ b/Fantasy_Forest_Adventure_Presentation.pptx
@@ -1813,7 +1813,7 @@
         <p:spPr>
           <a:xfrm>
             <a:off x="685800" y="2130425"/>
-            <a:ext cx="7772400" cy="1470025"/>
+            <a:ext cx="7772400" cy="1470000"/>
           </a:xfrm>
           <a:prstGeom prst="rect">
             <a:avLst/>
@@ -2137,7 +2137,7 @@
         <p:spPr>
           <a:xfrm>
             <a:off x="457200" y="6356350"/>
-            <a:ext cx="2133600" cy="365125"/>
+            <a:ext cx="2133600" cy="365100"/>
           </a:xfrm>
           <a:prstGeom prst="rect">
             <a:avLst/>
@@ -2266,7 +2266,7 @@
         <p:spPr>
           <a:xfrm>
             <a:off x="3124200" y="6356350"/>
-            <a:ext cx="2895600" cy="365125"/>
+            <a:ext cx="2895600" cy="365100"/>
           </a:xfrm>
           <a:prstGeom prst="rect">
             <a:avLst/>
@@ -2395,7 +2395,7 @@
         <p:spPr>
           <a:xfrm>
             <a:off x="6553200" y="6356350"/>
-            <a:ext cx="2133600" cy="365125"/>
+            <a:ext cx="2133600" cy="365100"/>
           </a:xfrm>
           <a:prstGeom prst="rect">
             <a:avLst/>
@@ -2659,8 +2659,8 @@
         </p:nvSpPr>
         <p:spPr>
           <a:xfrm rot="5400000">
-            <a:off x="2309019" y="-251618"/>
-            <a:ext cx="4525963" cy="8229600"/>
+            <a:off x="2308950" y="-251550"/>
+            <a:ext cx="4526100" cy="8229600"/>
           </a:xfrm>
           <a:prstGeom prst="rect">
             <a:avLst/>
@@ -2816,7 +2816,7 @@
         <p:spPr>
           <a:xfrm>
             <a:off x="457200" y="6356350"/>
-            <a:ext cx="2133600" cy="365125"/>
+            <a:ext cx="2133600" cy="365100"/>
           </a:xfrm>
           <a:prstGeom prst="rect">
             <a:avLst/>
@@ -2945,7 +2945,7 @@
         <p:spPr>
           <a:xfrm>
             <a:off x="3124200" y="6356350"/>
-            <a:ext cx="2895600" cy="365125"/>
+            <a:ext cx="2895600" cy="365100"/>
           </a:xfrm>
           <a:prstGeom prst="rect">
             <a:avLst/>
@@ -3074,7 +3074,7 @@
         <p:spPr>
           <a:xfrm>
             <a:off x="6553200" y="6356350"/>
-            <a:ext cx="2133600" cy="365125"/>
+            <a:ext cx="2133600" cy="365100"/>
           </a:xfrm>
           <a:prstGeom prst="rect">
             <a:avLst/>
@@ -3206,8 +3206,8 @@
         </p:nvSpPr>
         <p:spPr>
           <a:xfrm rot="5400000">
-            <a:off x="4732338" y="2171701"/>
-            <a:ext cx="5851525" cy="2057400"/>
+            <a:off x="4732350" y="2171688"/>
+            <a:ext cx="5851500" cy="2057400"/>
           </a:xfrm>
           <a:prstGeom prst="rect">
             <a:avLst/>
@@ -3338,8 +3338,8 @@
         </p:nvSpPr>
         <p:spPr>
           <a:xfrm rot="5400000">
-            <a:off x="541338" y="190500"/>
-            <a:ext cx="5851525" cy="6019800"/>
+            <a:off x="541350" y="190488"/>
+            <a:ext cx="5851500" cy="6019800"/>
           </a:xfrm>
           <a:prstGeom prst="rect">
             <a:avLst/>
@@ -3495,7 +3495,7 @@
         <p:spPr>
           <a:xfrm>
             <a:off x="457200" y="6356350"/>
-            <a:ext cx="2133600" cy="365125"/>
+            <a:ext cx="2133600" cy="365100"/>
           </a:xfrm>
           <a:prstGeom prst="rect">
             <a:avLst/>
@@ -3624,7 +3624,7 @@
         <p:spPr>
           <a:xfrm>
             <a:off x="3124200" y="6356350"/>
-            <a:ext cx="2895600" cy="365125"/>
+            <a:ext cx="2895600" cy="365100"/>
           </a:xfrm>
           <a:prstGeom prst="rect">
             <a:avLst/>
@@ -3753,7 +3753,7 @@
         <p:spPr>
           <a:xfrm>
             <a:off x="6553200" y="6356350"/>
-            <a:ext cx="2133600" cy="365125"/>
+            <a:ext cx="2133600" cy="365100"/>
           </a:xfrm>
           <a:prstGeom prst="rect">
             <a:avLst/>
@@ -4018,7 +4018,7 @@
         <p:spPr>
           <a:xfrm>
             <a:off x="457200" y="1600200"/>
-            <a:ext cx="8229600" cy="4525963"/>
+            <a:ext cx="8229600" cy="4526100"/>
           </a:xfrm>
           <a:prstGeom prst="rect">
             <a:avLst/>
@@ -4174,7 +4174,7 @@
         <p:spPr>
           <a:xfrm>
             <a:off x="457200" y="6356350"/>
-            <a:ext cx="2133600" cy="365125"/>
+            <a:ext cx="2133600" cy="365100"/>
           </a:xfrm>
           <a:prstGeom prst="rect">
             <a:avLst/>
@@ -4303,7 +4303,7 @@
         <p:spPr>
           <a:xfrm>
             <a:off x="3124200" y="6356350"/>
-            <a:ext cx="2895600" cy="365125"/>
+            <a:ext cx="2895600" cy="365100"/>
           </a:xfrm>
           <a:prstGeom prst="rect">
             <a:avLst/>
@@ -4432,7 +4432,7 @@
         <p:spPr>
           <a:xfrm>
             <a:off x="6553200" y="6356350"/>
-            <a:ext cx="2133600" cy="365125"/>
+            <a:ext cx="2133600" cy="365100"/>
           </a:xfrm>
           <a:prstGeom prst="rect">
             <a:avLst/>
@@ -4565,7 +4565,7 @@
         <p:spPr>
           <a:xfrm>
             <a:off x="722313" y="4406900"/>
-            <a:ext cx="7772400" cy="1362075"/>
+            <a:ext cx="7772400" cy="1362000"/>
           </a:xfrm>
           <a:prstGeom prst="rect">
             <a:avLst/>
@@ -4698,7 +4698,7 @@
         <p:spPr>
           <a:xfrm>
             <a:off x="722313" y="2906713"/>
-            <a:ext cx="7772400" cy="1500187"/>
+            <a:ext cx="7772400" cy="1500300"/>
           </a:xfrm>
           <a:prstGeom prst="rect">
             <a:avLst/>
@@ -4890,7 +4890,7 @@
         <p:spPr>
           <a:xfrm>
             <a:off x="457200" y="6356350"/>
-            <a:ext cx="2133600" cy="365125"/>
+            <a:ext cx="2133600" cy="365100"/>
           </a:xfrm>
           <a:prstGeom prst="rect">
             <a:avLst/>
@@ -5019,7 +5019,7 @@
         <p:spPr>
           <a:xfrm>
             <a:off x="3124200" y="6356350"/>
-            <a:ext cx="2895600" cy="365125"/>
+            <a:ext cx="2895600" cy="365100"/>
           </a:xfrm>
           <a:prstGeom prst="rect">
             <a:avLst/>
@@ -5148,7 +5148,7 @@
         <p:spPr>
           <a:xfrm>
             <a:off x="6553200" y="6356350"/>
-            <a:ext cx="2133600" cy="365125"/>
+            <a:ext cx="2133600" cy="365100"/>
           </a:xfrm>
           <a:prstGeom prst="rect">
             <a:avLst/>
@@ -5413,7 +5413,7 @@
         <p:spPr>
           <a:xfrm>
             <a:off x="457200" y="1600200"/>
-            <a:ext cx="4038600" cy="4525963"/>
+            <a:ext cx="4038600" cy="4526100"/>
           </a:xfrm>
           <a:prstGeom prst="rect">
             <a:avLst/>
@@ -5569,7 +5569,7 @@
         <p:spPr>
           <a:xfrm>
             <a:off x="4648200" y="1600200"/>
-            <a:ext cx="4038600" cy="4525963"/>
+            <a:ext cx="4038600" cy="4526100"/>
           </a:xfrm>
           <a:prstGeom prst="rect">
             <a:avLst/>
@@ -5725,7 +5725,7 @@
         <p:spPr>
           <a:xfrm>
             <a:off x="457200" y="6356350"/>
-            <a:ext cx="2133600" cy="365125"/>
+            <a:ext cx="2133600" cy="365100"/>
           </a:xfrm>
           <a:prstGeom prst="rect">
             <a:avLst/>
@@ -5854,7 +5854,7 @@
         <p:spPr>
           <a:xfrm>
             <a:off x="3124200" y="6356350"/>
-            <a:ext cx="2895600" cy="365125"/>
+            <a:ext cx="2895600" cy="365100"/>
           </a:xfrm>
           <a:prstGeom prst="rect">
             <a:avLst/>
@@ -5983,7 +5983,7 @@
         <p:spPr>
           <a:xfrm>
             <a:off x="6553200" y="6356350"/>
-            <a:ext cx="2133600" cy="365125"/>
+            <a:ext cx="2133600" cy="365100"/>
           </a:xfrm>
           <a:prstGeom prst="rect">
             <a:avLst/>
@@ -6249,7 +6249,7 @@
         <p:spPr>
           <a:xfrm>
             <a:off x="457200" y="1535113"/>
-            <a:ext cx="4040188" cy="639762"/>
+            <a:ext cx="4040100" cy="639900"/>
           </a:xfrm>
           <a:prstGeom prst="rect">
             <a:avLst/>
@@ -6405,7 +6405,7 @@
         <p:spPr>
           <a:xfrm>
             <a:off x="457200" y="2174875"/>
-            <a:ext cx="4040188" cy="3951288"/>
+            <a:ext cx="4040100" cy="3951300"/>
           </a:xfrm>
           <a:prstGeom prst="rect">
             <a:avLst/>
@@ -6561,7 +6561,7 @@
         <p:spPr>
           <a:xfrm>
             <a:off x="4645025" y="1535113"/>
-            <a:ext cx="4041775" cy="639762"/>
+            <a:ext cx="4041900" cy="639900"/>
           </a:xfrm>
           <a:prstGeom prst="rect">
             <a:avLst/>
@@ -6717,7 +6717,7 @@
         <p:spPr>
           <a:xfrm>
             <a:off x="4645025" y="2174875"/>
-            <a:ext cx="4041775" cy="3951288"/>
+            <a:ext cx="4041900" cy="3951300"/>
           </a:xfrm>
           <a:prstGeom prst="rect">
             <a:avLst/>
@@ -6873,7 +6873,7 @@
         <p:spPr>
           <a:xfrm>
             <a:off x="457200" y="6356350"/>
-            <a:ext cx="2133600" cy="365125"/>
+            <a:ext cx="2133600" cy="365100"/>
           </a:xfrm>
           <a:prstGeom prst="rect">
             <a:avLst/>
@@ -7002,7 +7002,7 @@
         <p:spPr>
           <a:xfrm>
             <a:off x="3124200" y="6356350"/>
-            <a:ext cx="2895600" cy="365125"/>
+            <a:ext cx="2895600" cy="365100"/>
           </a:xfrm>
           <a:prstGeom prst="rect">
             <a:avLst/>
@@ -7131,7 +7131,7 @@
         <p:spPr>
           <a:xfrm>
             <a:off x="6553200" y="6356350"/>
-            <a:ext cx="2133600" cy="365125"/>
+            <a:ext cx="2133600" cy="365100"/>
           </a:xfrm>
           <a:prstGeom prst="rect">
             <a:avLst/>
@@ -7396,7 +7396,7 @@
         <p:spPr>
           <a:xfrm>
             <a:off x="457200" y="6356350"/>
-            <a:ext cx="2133600" cy="365125"/>
+            <a:ext cx="2133600" cy="365100"/>
           </a:xfrm>
           <a:prstGeom prst="rect">
             <a:avLst/>
@@ -7525,7 +7525,7 @@
         <p:spPr>
           <a:xfrm>
             <a:off x="3124200" y="6356350"/>
-            <a:ext cx="2895600" cy="365125"/>
+            <a:ext cx="2895600" cy="365100"/>
           </a:xfrm>
           <a:prstGeom prst="rect">
             <a:avLst/>
@@ -7654,7 +7654,7 @@
         <p:spPr>
           <a:xfrm>
             <a:off x="6553200" y="6356350"/>
-            <a:ext cx="2133600" cy="365125"/>
+            <a:ext cx="2133600" cy="365100"/>
           </a:xfrm>
           <a:prstGeom prst="rect">
             <a:avLst/>
@@ -7787,7 +7787,7 @@
         <p:spPr>
           <a:xfrm>
             <a:off x="457200" y="6356350"/>
-            <a:ext cx="2133600" cy="365125"/>
+            <a:ext cx="2133600" cy="365100"/>
           </a:xfrm>
           <a:prstGeom prst="rect">
             <a:avLst/>
@@ -7916,7 +7916,7 @@
         <p:spPr>
           <a:xfrm>
             <a:off x="3124200" y="6356350"/>
-            <a:ext cx="2895600" cy="365125"/>
+            <a:ext cx="2895600" cy="365100"/>
           </a:xfrm>
           <a:prstGeom prst="rect">
             <a:avLst/>
@@ -8045,7 +8045,7 @@
         <p:spPr>
           <a:xfrm>
             <a:off x="6553200" y="6356350"/>
-            <a:ext cx="2133600" cy="365125"/>
+            <a:ext cx="2133600" cy="365100"/>
           </a:xfrm>
           <a:prstGeom prst="rect">
             <a:avLst/>
@@ -8178,7 +8178,7 @@
         <p:spPr>
           <a:xfrm>
             <a:off x="457200" y="273050"/>
-            <a:ext cx="3008313" cy="1162050"/>
+            <a:ext cx="3008400" cy="1162200"/>
           </a:xfrm>
           <a:prstGeom prst="rect">
             <a:avLst/>
@@ -8311,7 +8311,7 @@
         <p:spPr>
           <a:xfrm>
             <a:off x="3575050" y="273050"/>
-            <a:ext cx="5111750" cy="5853113"/>
+            <a:ext cx="5111700" cy="5853000"/>
           </a:xfrm>
           <a:prstGeom prst="rect">
             <a:avLst/>
@@ -8467,7 +8467,7 @@
         <p:spPr>
           <a:xfrm>
             <a:off x="457200" y="1435100"/>
-            <a:ext cx="3008313" cy="4691063"/>
+            <a:ext cx="3008400" cy="4691100"/>
           </a:xfrm>
           <a:prstGeom prst="rect">
             <a:avLst/>
@@ -8623,7 +8623,7 @@
         <p:spPr>
           <a:xfrm>
             <a:off x="457200" y="6356350"/>
-            <a:ext cx="2133600" cy="365125"/>
+            <a:ext cx="2133600" cy="365100"/>
           </a:xfrm>
           <a:prstGeom prst="rect">
             <a:avLst/>
@@ -8752,7 +8752,7 @@
         <p:spPr>
           <a:xfrm>
             <a:off x="3124200" y="6356350"/>
-            <a:ext cx="2895600" cy="365125"/>
+            <a:ext cx="2895600" cy="365100"/>
           </a:xfrm>
           <a:prstGeom prst="rect">
             <a:avLst/>
@@ -8881,7 +8881,7 @@
         <p:spPr>
           <a:xfrm>
             <a:off x="6553200" y="6356350"/>
-            <a:ext cx="2133600" cy="365125"/>
+            <a:ext cx="2133600" cy="365100"/>
           </a:xfrm>
           <a:prstGeom prst="rect">
             <a:avLst/>
@@ -9014,7 +9014,7 @@
         <p:spPr>
           <a:xfrm>
             <a:off x="1792288" y="4800600"/>
-            <a:ext cx="5486400" cy="566738"/>
+            <a:ext cx="5486400" cy="566700"/>
           </a:xfrm>
           <a:prstGeom prst="rect">
             <a:avLst/>
@@ -9169,7 +9169,7 @@
         <p:spPr>
           <a:xfrm>
             <a:off x="1792288" y="5367338"/>
-            <a:ext cx="5486400" cy="804862"/>
+            <a:ext cx="5486400" cy="804900"/>
           </a:xfrm>
           <a:prstGeom prst="rect">
             <a:avLst/>
@@ -9325,7 +9325,7 @@
         <p:spPr>
           <a:xfrm>
             <a:off x="457200" y="6356350"/>
-            <a:ext cx="2133600" cy="365125"/>
+            <a:ext cx="2133600" cy="365100"/>
           </a:xfrm>
           <a:prstGeom prst="rect">
             <a:avLst/>
@@ -9454,7 +9454,7 @@
         <p:spPr>
           <a:xfrm>
             <a:off x="3124200" y="6356350"/>
-            <a:ext cx="2895600" cy="365125"/>
+            <a:ext cx="2895600" cy="365100"/>
           </a:xfrm>
           <a:prstGeom prst="rect">
             <a:avLst/>
@@ -9583,7 +9583,7 @@
         <p:spPr>
           <a:xfrm>
             <a:off x="6553200" y="6356350"/>
-            <a:ext cx="2133600" cy="365125"/>
+            <a:ext cx="2133600" cy="365100"/>
           </a:xfrm>
           <a:prstGeom prst="rect">
             <a:avLst/>
@@ -9738,7 +9738,7 @@
             <a:normAutofit/>
           </a:bodyPr>
           <a:lstStyle>
-            <a:lvl1pPr lvl="0" marR="0" rtl="0" algn="ctr">
+            <a:lvl1pPr lvl="0" marR="0" algn="ctr">
               <a:spcBef>
                 <a:spcPts val="0"/>
               </a:spcBef>
@@ -9864,7 +9864,7 @@
         <p:spPr>
           <a:xfrm>
             <a:off x="457200" y="1600200"/>
-            <a:ext cx="8229600" cy="4525963"/>
+            <a:ext cx="8229600" cy="4526100"/>
           </a:xfrm>
           <a:prstGeom prst="rect">
             <a:avLst/>
@@ -9879,7 +9879,7 @@
             <a:normAutofit/>
           </a:bodyPr>
           <a:lstStyle>
-            <a:lvl1pPr indent="-431800" lvl="0" marL="457200" marR="0" rtl="0" algn="l">
+            <a:lvl1pPr indent="-431800" lvl="0" marL="457200" marR="0" algn="l">
               <a:spcBef>
                 <a:spcPts val="640"/>
               </a:spcBef>
@@ -9902,7 +9902,7 @@
                 <a:sym typeface="Calibri"/>
               </a:defRPr>
             </a:lvl1pPr>
-            <a:lvl2pPr indent="-406400" lvl="1" marL="914400" marR="0" rtl="0" algn="l">
+            <a:lvl2pPr indent="-406400" lvl="1" marL="914400" marR="0" algn="l">
               <a:spcBef>
                 <a:spcPts val="560"/>
               </a:spcBef>
@@ -9925,7 +9925,7 @@
                 <a:sym typeface="Calibri"/>
               </a:defRPr>
             </a:lvl2pPr>
-            <a:lvl3pPr indent="-381000" lvl="2" marL="1371600" marR="0" rtl="0" algn="l">
+            <a:lvl3pPr indent="-381000" lvl="2" marL="1371600" marR="0" algn="l">
               <a:spcBef>
                 <a:spcPts val="480"/>
               </a:spcBef>
@@ -9948,7 +9948,7 @@
                 <a:sym typeface="Calibri"/>
               </a:defRPr>
             </a:lvl3pPr>
-            <a:lvl4pPr indent="-355600" lvl="3" marL="1828800" marR="0" rtl="0" algn="l">
+            <a:lvl4pPr indent="-355600" lvl="3" marL="1828800" marR="0" algn="l">
               <a:spcBef>
                 <a:spcPts val="400"/>
               </a:spcBef>
@@ -9971,7 +9971,7 @@
                 <a:sym typeface="Calibri"/>
               </a:defRPr>
             </a:lvl4pPr>
-            <a:lvl5pPr indent="-355600" lvl="4" marL="2286000" marR="0" rtl="0" algn="l">
+            <a:lvl5pPr indent="-355600" lvl="4" marL="2286000" marR="0" algn="l">
               <a:spcBef>
                 <a:spcPts val="400"/>
               </a:spcBef>
@@ -9994,7 +9994,7 @@
                 <a:sym typeface="Calibri"/>
               </a:defRPr>
             </a:lvl5pPr>
-            <a:lvl6pPr indent="-355600" lvl="5" marL="2743200" marR="0" rtl="0" algn="l">
+            <a:lvl6pPr indent="-355600" lvl="5" marL="2743200" marR="0" algn="l">
               <a:spcBef>
                 <a:spcPts val="400"/>
               </a:spcBef>
@@ -10017,7 +10017,7 @@
                 <a:sym typeface="Calibri"/>
               </a:defRPr>
             </a:lvl6pPr>
-            <a:lvl7pPr indent="-355600" lvl="6" marL="3200400" marR="0" rtl="0" algn="l">
+            <a:lvl7pPr indent="-355600" lvl="6" marL="3200400" marR="0" algn="l">
               <a:spcBef>
                 <a:spcPts val="400"/>
               </a:spcBef>
@@ -10040,7 +10040,7 @@
                 <a:sym typeface="Calibri"/>
               </a:defRPr>
             </a:lvl7pPr>
-            <a:lvl8pPr indent="-355600" lvl="7" marL="3657600" marR="0" rtl="0" algn="l">
+            <a:lvl8pPr indent="-355600" lvl="7" marL="3657600" marR="0" algn="l">
               <a:spcBef>
                 <a:spcPts val="400"/>
               </a:spcBef>
@@ -10063,7 +10063,7 @@
                 <a:sym typeface="Calibri"/>
               </a:defRPr>
             </a:lvl8pPr>
-            <a:lvl9pPr indent="-355600" lvl="8" marL="4114800" marR="0" rtl="0" algn="l">
+            <a:lvl9pPr indent="-355600" lvl="8" marL="4114800" marR="0" algn="l">
               <a:spcBef>
                 <a:spcPts val="400"/>
               </a:spcBef>
@@ -10101,7 +10101,7 @@
         <p:spPr>
           <a:xfrm>
             <a:off x="457200" y="6356350"/>
-            <a:ext cx="2133600" cy="365125"/>
+            <a:ext cx="2133600" cy="365100"/>
           </a:xfrm>
           <a:prstGeom prst="rect">
             <a:avLst/>
@@ -10116,7 +10116,7 @@
             <a:noAutofit/>
           </a:bodyPr>
           <a:lstStyle>
-            <a:lvl1pPr lvl="0" marR="0" rtl="0" algn="l">
+            <a:lvl1pPr lvl="0" marR="0" algn="l">
               <a:spcBef>
                 <a:spcPts val="0"/>
               </a:spcBef>
@@ -10135,7 +10135,7 @@
                 <a:sym typeface="Calibri"/>
               </a:defRPr>
             </a:lvl1pPr>
-            <a:lvl2pPr lvl="1" marR="0" rtl="0" algn="l">
+            <a:lvl2pPr lvl="1" marR="0" algn="l">
               <a:spcBef>
                 <a:spcPts val="0"/>
               </a:spcBef>
@@ -10154,7 +10154,7 @@
                 <a:sym typeface="Calibri"/>
               </a:defRPr>
             </a:lvl2pPr>
-            <a:lvl3pPr lvl="2" marR="0" rtl="0" algn="l">
+            <a:lvl3pPr lvl="2" marR="0" algn="l">
               <a:spcBef>
                 <a:spcPts val="0"/>
               </a:spcBef>
@@ -10173,7 +10173,7 @@
                 <a:sym typeface="Calibri"/>
               </a:defRPr>
             </a:lvl3pPr>
-            <a:lvl4pPr lvl="3" marR="0" rtl="0" algn="l">
+            <a:lvl4pPr lvl="3" marR="0" algn="l">
               <a:spcBef>
                 <a:spcPts val="0"/>
               </a:spcBef>
@@ -10192,7 +10192,7 @@
                 <a:sym typeface="Calibri"/>
               </a:defRPr>
             </a:lvl4pPr>
-            <a:lvl5pPr lvl="4" marR="0" rtl="0" algn="l">
+            <a:lvl5pPr lvl="4" marR="0" algn="l">
               <a:spcBef>
                 <a:spcPts val="0"/>
               </a:spcBef>
@@ -10211,7 +10211,7 @@
                 <a:sym typeface="Calibri"/>
               </a:defRPr>
             </a:lvl5pPr>
-            <a:lvl6pPr lvl="5" marR="0" rtl="0" algn="l">
+            <a:lvl6pPr lvl="5" marR="0" algn="l">
               <a:spcBef>
                 <a:spcPts val="0"/>
               </a:spcBef>
@@ -10230,7 +10230,7 @@
                 <a:sym typeface="Calibri"/>
               </a:defRPr>
             </a:lvl6pPr>
-            <a:lvl7pPr lvl="6" marR="0" rtl="0" algn="l">
+            <a:lvl7pPr lvl="6" marR="0" algn="l">
               <a:spcBef>
                 <a:spcPts val="0"/>
               </a:spcBef>
@@ -10249,7 +10249,7 @@
                 <a:sym typeface="Calibri"/>
               </a:defRPr>
             </a:lvl7pPr>
-            <a:lvl8pPr lvl="7" marR="0" rtl="0" algn="l">
+            <a:lvl8pPr lvl="7" marR="0" algn="l">
               <a:spcBef>
                 <a:spcPts val="0"/>
               </a:spcBef>
@@ -10268,7 +10268,7 @@
                 <a:sym typeface="Calibri"/>
               </a:defRPr>
             </a:lvl8pPr>
-            <a:lvl9pPr lvl="8" marR="0" rtl="0" algn="l">
+            <a:lvl9pPr lvl="8" marR="0" algn="l">
               <a:spcBef>
                 <a:spcPts val="0"/>
               </a:spcBef>
@@ -10302,7 +10302,7 @@
         <p:spPr>
           <a:xfrm>
             <a:off x="3124200" y="6356350"/>
-            <a:ext cx="2895600" cy="365125"/>
+            <a:ext cx="2895600" cy="365100"/>
           </a:xfrm>
           <a:prstGeom prst="rect">
             <a:avLst/>
@@ -10317,7 +10317,7 @@
             <a:noAutofit/>
           </a:bodyPr>
           <a:lstStyle>
-            <a:lvl1pPr lvl="0" marR="0" rtl="0" algn="ctr">
+            <a:lvl1pPr lvl="0" marR="0" algn="ctr">
               <a:spcBef>
                 <a:spcPts val="0"/>
               </a:spcBef>
@@ -10336,7 +10336,7 @@
                 <a:sym typeface="Calibri"/>
               </a:defRPr>
             </a:lvl1pPr>
-            <a:lvl2pPr lvl="1" marR="0" rtl="0" algn="l">
+            <a:lvl2pPr lvl="1" marR="0" algn="l">
               <a:spcBef>
                 <a:spcPts val="0"/>
               </a:spcBef>
@@ -10355,7 +10355,7 @@
                 <a:sym typeface="Calibri"/>
               </a:defRPr>
             </a:lvl2pPr>
-            <a:lvl3pPr lvl="2" marR="0" rtl="0" algn="l">
+            <a:lvl3pPr lvl="2" marR="0" algn="l">
               <a:spcBef>
                 <a:spcPts val="0"/>
               </a:spcBef>
@@ -10374,7 +10374,7 @@
                 <a:sym typeface="Calibri"/>
               </a:defRPr>
             </a:lvl3pPr>
-            <a:lvl4pPr lvl="3" marR="0" rtl="0" algn="l">
+            <a:lvl4pPr lvl="3" marR="0" algn="l">
               <a:spcBef>
                 <a:spcPts val="0"/>
               </a:spcBef>
@@ -10393,7 +10393,7 @@
                 <a:sym typeface="Calibri"/>
               </a:defRPr>
             </a:lvl4pPr>
-            <a:lvl5pPr lvl="4" marR="0" rtl="0" algn="l">
+            <a:lvl5pPr lvl="4" marR="0" algn="l">
               <a:spcBef>
                 <a:spcPts val="0"/>
               </a:spcBef>
@@ -10412,7 +10412,7 @@
                 <a:sym typeface="Calibri"/>
               </a:defRPr>
             </a:lvl5pPr>
-            <a:lvl6pPr lvl="5" marR="0" rtl="0" algn="l">
+            <a:lvl6pPr lvl="5" marR="0" algn="l">
               <a:spcBef>
                 <a:spcPts val="0"/>
               </a:spcBef>
@@ -10431,7 +10431,7 @@
                 <a:sym typeface="Calibri"/>
               </a:defRPr>
             </a:lvl6pPr>
-            <a:lvl7pPr lvl="6" marR="0" rtl="0" algn="l">
+            <a:lvl7pPr lvl="6" marR="0" algn="l">
               <a:spcBef>
                 <a:spcPts val="0"/>
               </a:spcBef>
@@ -10450,7 +10450,7 @@
                 <a:sym typeface="Calibri"/>
               </a:defRPr>
             </a:lvl7pPr>
-            <a:lvl8pPr lvl="7" marR="0" rtl="0" algn="l">
+            <a:lvl8pPr lvl="7" marR="0" algn="l">
               <a:spcBef>
                 <a:spcPts val="0"/>
               </a:spcBef>
@@ -10469,7 +10469,7 @@
                 <a:sym typeface="Calibri"/>
               </a:defRPr>
             </a:lvl8pPr>
-            <a:lvl9pPr lvl="8" marR="0" rtl="0" algn="l">
+            <a:lvl9pPr lvl="8" marR="0" algn="l">
               <a:spcBef>
                 <a:spcPts val="0"/>
               </a:spcBef>
@@ -10503,7 +10503,7 @@
         <p:spPr>
           <a:xfrm>
             <a:off x="6553200" y="6356350"/>
-            <a:ext cx="2133600" cy="365125"/>
+            <a:ext cx="2133600" cy="365100"/>
           </a:xfrm>
           <a:prstGeom prst="rect">
             <a:avLst/>
@@ -10518,7 +10518,7 @@
             <a:noAutofit/>
           </a:bodyPr>
           <a:lstStyle>
-            <a:lvl1pPr indent="0" lvl="0" marL="0" marR="0" rtl="0" algn="r">
+            <a:lvl1pPr indent="0" lvl="0" marL="0" marR="0" algn="r">
               <a:spcBef>
                 <a:spcPts val="0"/>
               </a:spcBef>
@@ -10533,7 +10533,7 @@
                 <a:sym typeface="Calibri"/>
               </a:defRPr>
             </a:lvl1pPr>
-            <a:lvl2pPr indent="0" lvl="1" marL="0" marR="0" rtl="0" algn="r">
+            <a:lvl2pPr indent="0" lvl="1" marL="0" marR="0" algn="r">
               <a:spcBef>
                 <a:spcPts val="0"/>
               </a:spcBef>
@@ -10548,7 +10548,7 @@
                 <a:sym typeface="Calibri"/>
               </a:defRPr>
             </a:lvl2pPr>
-            <a:lvl3pPr indent="0" lvl="2" marL="0" marR="0" rtl="0" algn="r">
+            <a:lvl3pPr indent="0" lvl="2" marL="0" marR="0" algn="r">
               <a:spcBef>
                 <a:spcPts val="0"/>
               </a:spcBef>
@@ -10563,7 +10563,7 @@
                 <a:sym typeface="Calibri"/>
               </a:defRPr>
             </a:lvl3pPr>
-            <a:lvl4pPr indent="0" lvl="3" marL="0" marR="0" rtl="0" algn="r">
+            <a:lvl4pPr indent="0" lvl="3" marL="0" marR="0" algn="r">
               <a:spcBef>
                 <a:spcPts val="0"/>
               </a:spcBef>
@@ -10578,7 +10578,7 @@
                 <a:sym typeface="Calibri"/>
               </a:defRPr>
             </a:lvl4pPr>
-            <a:lvl5pPr indent="0" lvl="4" marL="0" marR="0" rtl="0" algn="r">
+            <a:lvl5pPr indent="0" lvl="4" marL="0" marR="0" algn="r">
               <a:spcBef>
                 <a:spcPts val="0"/>
               </a:spcBef>
@@ -10593,7 +10593,7 @@
                 <a:sym typeface="Calibri"/>
               </a:defRPr>
             </a:lvl5pPr>
-            <a:lvl6pPr indent="0" lvl="5" marL="0" marR="0" rtl="0" algn="r">
+            <a:lvl6pPr indent="0" lvl="5" marL="0" marR="0" algn="r">
               <a:spcBef>
                 <a:spcPts val="0"/>
               </a:spcBef>
@@ -10608,7 +10608,7 @@
                 <a:sym typeface="Calibri"/>
               </a:defRPr>
             </a:lvl6pPr>
-            <a:lvl7pPr indent="0" lvl="6" marL="0" marR="0" rtl="0" algn="r">
+            <a:lvl7pPr indent="0" lvl="6" marL="0" marR="0" algn="r">
               <a:spcBef>
                 <a:spcPts val="0"/>
               </a:spcBef>
@@ -10623,7 +10623,7 @@
                 <a:sym typeface="Calibri"/>
               </a:defRPr>
             </a:lvl7pPr>
-            <a:lvl8pPr indent="0" lvl="7" marL="0" marR="0" rtl="0" algn="r">
+            <a:lvl8pPr indent="0" lvl="7" marL="0" marR="0" algn="r">
               <a:spcBef>
                 <a:spcPts val="0"/>
               </a:spcBef>
@@ -10638,7 +10638,7 @@
                 <a:sym typeface="Calibri"/>
               </a:defRPr>
             </a:lvl8pPr>
-            <a:lvl9pPr indent="0" lvl="8" marL="0" marR="0" rtl="0" algn="r">
+            <a:lvl9pPr indent="0" lvl="8" marL="0" marR="0" algn="r">
               <a:spcBef>
                 <a:spcPts val="0"/>
               </a:spcBef>
@@ -11409,7 +11409,7 @@
         <p:spPr>
           <a:xfrm>
             <a:off x="685800" y="2130425"/>
-            <a:ext cx="7772400" cy="1470025"/>
+            <a:ext cx="7772400" cy="1470000"/>
           </a:xfrm>
           <a:prstGeom prst="rect">
             <a:avLst/>
@@ -11478,7 +11478,7 @@
         </p:spPr>
         <p:txBody>
           <a:bodyPr anchorCtr="0" anchor="t" bIns="45700" lIns="91425" spcFirstLastPara="1" rIns="91425" wrap="square" tIns="45700">
-            <a:normAutofit/>
+            <a:normAutofit fontScale="70000" lnSpcReduction="20000"/>
           </a:bodyPr>
           <a:lstStyle/>
           <a:p>
@@ -11492,7 +11492,7 @@
               <a:buClr>
                 <a:srgbClr val="888888"/>
               </a:buClr>
-              <a:buSzPts val="3200"/>
+              <a:buSzPct val="100000"/>
               <a:buNone/>
             </a:pPr>
             <a:r>
@@ -11516,7 +11516,7 @@
               <a:buClr>
                 <a:srgbClr val="888888"/>
               </a:buClr>
-              <a:buSzPts val="3200"/>
+              <a:buSzPct val="100000"/>
               <a:buNone/>
             </a:pPr>
             <a:r>
@@ -11526,6 +11526,49 @@
                 </a:solidFill>
               </a:rPr>
               <a:t>Team Members: Caleb Thang, Ammar Abbkar, Abdinur Hussein</a:t>
+            </a:r>
+            <a:endParaRPr>
+              <a:solidFill>
+                <a:srgbClr val="888888"/>
+              </a:solidFill>
+            </a:endParaRPr>
+          </a:p>
+          <a:p>
+            <a:pPr indent="0" lvl="0" marL="0" rtl="0" algn="ctr">
+              <a:spcBef>
+                <a:spcPts val="640"/>
+              </a:spcBef>
+              <a:spcAft>
+                <a:spcPts val="0"/>
+              </a:spcAft>
+              <a:buClr>
+                <a:srgbClr val="888888"/>
+              </a:buClr>
+              <a:buSzPct val="100000"/>
+              <a:buNone/>
+            </a:pPr>
+            <a:r>
+              <a:t/>
+            </a:r>
+            <a:endParaRPr/>
+          </a:p>
+          <a:p>
+            <a:pPr indent="0" lvl="0" marL="0" rtl="0" algn="ctr">
+              <a:spcBef>
+                <a:spcPts val="640"/>
+              </a:spcBef>
+              <a:spcAft>
+                <a:spcPts val="0"/>
+              </a:spcAft>
+              <a:buClr>
+                <a:srgbClr val="888888"/>
+              </a:buClr>
+              <a:buSzPct val="100000"/>
+              <a:buNone/>
+            </a:pPr>
+            <a:r>
+              <a:rPr lang="en-US"/>
+              <a:t>Visionary Designers</a:t>
             </a:r>
             <a:endParaRPr/>
           </a:p>
@@ -13778,6 +13821,285 @@
 </file>
 
 <file path=ppt/theme/theme1.xml><?xml version="1.0" encoding="utf-8"?>
+<a:theme xmlns:a="http://schemas.openxmlformats.org/drawingml/2006/main" xmlns:r="http://schemas.openxmlformats.org/officeDocument/2006/relationships" name="Office Theme">
+  <a:themeElements>
+    <a:clrScheme name="Office">
+      <a:dk1>
+        <a:srgbClr val="000000"/>
+      </a:dk1>
+      <a:lt1>
+        <a:srgbClr val="FFFFFF"/>
+      </a:lt1>
+      <a:dk2>
+        <a:srgbClr val="1F497D"/>
+      </a:dk2>
+      <a:lt2>
+        <a:srgbClr val="EEECE1"/>
+      </a:lt2>
+      <a:accent1>
+        <a:srgbClr val="4F81BD"/>
+      </a:accent1>
+      <a:accent2>
+        <a:srgbClr val="C0504D"/>
+      </a:accent2>
+      <a:accent3>
+        <a:srgbClr val="9BBB59"/>
+      </a:accent3>
+      <a:accent4>
+        <a:srgbClr val="8064A2"/>
+      </a:accent4>
+      <a:accent5>
+        <a:srgbClr val="4BACC6"/>
+      </a:accent5>
+      <a:accent6>
+        <a:srgbClr val="F79646"/>
+      </a:accent6>
+      <a:hlink>
+        <a:srgbClr val="0000FF"/>
+      </a:hlink>
+      <a:folHlink>
+        <a:srgbClr val="800080"/>
+      </a:folHlink>
+    </a:clrScheme>
+    <a:fontScheme name="Office">
+      <a:majorFont>
+        <a:latin typeface="Arial"/>
+        <a:ea typeface=""/>
+        <a:cs typeface=""/>
+        <a:font script="Jpan" typeface="ＭＳ Ｐゴシック"/>
+        <a:font script="Hang" typeface="맑은 고딕"/>
+        <a:font script="Hans" typeface="宋体"/>
+        <a:font script="Hant" typeface="新細明體"/>
+        <a:font script="Arab" typeface="Times New Roman"/>
+        <a:font script="Hebr" typeface="Times New Roman"/>
+        <a:font script="Thai" typeface="Angsana New"/>
+        <a:font script="Ethi" typeface="Nyala"/>
+        <a:font script="Beng" typeface="Vrinda"/>
+        <a:font script="Gujr" typeface="Shruti"/>
+        <a:font script="Khmr" typeface="MoolBoran"/>
+        <a:font script="Knda" typeface="Tunga"/>
+        <a:font script="Guru" typeface="Raavi"/>
+        <a:font script="Cans" typeface="Euphemia"/>
+        <a:font script="Cher" typeface="Plantagenet Cherokee"/>
+        <a:font script="Yiii" typeface="Microsoft Yi Baiti"/>
+        <a:font script="Tibt" typeface="Microsoft Himalaya"/>
+        <a:font script="Thaa" typeface="MV Boli"/>
+        <a:font script="Deva" typeface="Mangal"/>
+        <a:font script="Telu" typeface="Gautami"/>
+        <a:font script="Taml" typeface="Latha"/>
+        <a:font script="Syrc" typeface="Estrangelo Edessa"/>
+        <a:font script="Orya" typeface="Kalinga"/>
+        <a:font script="Mlym" typeface="Kartika"/>
+        <a:font script="Laoo" typeface="DokChampa"/>
+        <a:font script="Sinh" typeface="Iskoola Pota"/>
+        <a:font script="Mong" typeface="Mongolian Baiti"/>
+        <a:font script="Viet" typeface="Times New Roman"/>
+        <a:font script="Uigh" typeface="Microsoft Uighur"/>
+        <a:font script="Geor" typeface="Sylfaen"/>
+      </a:majorFont>
+      <a:minorFont>
+        <a:latin typeface="Arial"/>
+        <a:ea typeface=""/>
+        <a:cs typeface=""/>
+        <a:font script="Jpan" typeface="ＭＳ Ｐゴシック"/>
+        <a:font script="Hang" typeface="맑은 고딕"/>
+        <a:font script="Hans" typeface="宋体"/>
+        <a:font script="Hant" typeface="新細明體"/>
+        <a:font script="Arab" typeface="Arial"/>
+        <a:font script="Hebr" typeface="Arial"/>
+        <a:font script="Thai" typeface="Cordia New"/>
+        <a:font script="Ethi" typeface="Nyala"/>
+        <a:font script="Beng" typeface="Vrinda"/>
+        <a:font script="Gujr" typeface="Shruti"/>
+        <a:font script="Khmr" typeface="DaunPenh"/>
+        <a:font script="Knda" typeface="Tunga"/>
+        <a:font script="Guru" typeface="Raavi"/>
+        <a:font script="Cans" typeface="Euphemia"/>
+        <a:font script="Cher" typeface="Plantagenet Cherokee"/>
+        <a:font script="Yiii" typeface="Microsoft Yi Baiti"/>
+        <a:font script="Tibt" typeface="Microsoft Himalaya"/>
+        <a:font script="Thaa" typeface="MV Boli"/>
+        <a:font script="Deva" typeface="Mangal"/>
+        <a:font script="Telu" typeface="Gautami"/>
+        <a:font script="Taml" typeface="Latha"/>
+        <a:font script="Syrc" typeface="Estrangelo Edessa"/>
+        <a:font script="Orya" typeface="Kalinga"/>
+        <a:font script="Mlym" typeface="Kartika"/>
+        <a:font script="Laoo" typeface="DokChampa"/>
+        <a:font script="Sinh" typeface="Iskoola Pota"/>
+        <a:font script="Mong" typeface="Mongolian Baiti"/>
+        <a:font script="Viet" typeface="Arial"/>
+        <a:font script="Uigh" typeface="Microsoft Uighur"/>
+        <a:font script="Geor" typeface="Sylfaen"/>
+      </a:minorFont>
+    </a:fontScheme>
+    <a:fmtScheme name="Office">
+      <a:fillStyleLst>
+        <a:solidFill>
+          <a:schemeClr val="phClr"/>
+        </a:solidFill>
+        <a:gradFill rotWithShape="1">
+          <a:gsLst>
+            <a:gs pos="0">
+              <a:schemeClr val="phClr">
+                <a:tint val="50000"/>
+                <a:satMod val="300000"/>
+              </a:schemeClr>
+            </a:gs>
+            <a:gs pos="35000">
+              <a:schemeClr val="phClr">
+                <a:tint val="37000"/>
+                <a:satMod val="300000"/>
+              </a:schemeClr>
+            </a:gs>
+            <a:gs pos="100000">
+              <a:schemeClr val="phClr">
+                <a:tint val="15000"/>
+                <a:satMod val="350000"/>
+              </a:schemeClr>
+            </a:gs>
+          </a:gsLst>
+          <a:lin ang="16200000" scaled="1"/>
+        </a:gradFill>
+        <a:gradFill rotWithShape="1">
+          <a:gsLst>
+            <a:gs pos="0">
+              <a:schemeClr val="phClr">
+                <a:tint val="100000"/>
+                <a:shade val="100000"/>
+                <a:satMod val="130000"/>
+              </a:schemeClr>
+            </a:gs>
+            <a:gs pos="100000">
+              <a:schemeClr val="phClr">
+                <a:tint val="50000"/>
+                <a:shade val="100000"/>
+                <a:satMod val="350000"/>
+              </a:schemeClr>
+            </a:gs>
+          </a:gsLst>
+          <a:lin ang="16200000" scaled="0"/>
+        </a:gradFill>
+      </a:fillStyleLst>
+      <a:lnStyleLst>
+        <a:ln w="9525" cap="flat" cmpd="sng" algn="ctr">
+          <a:solidFill>
+            <a:schemeClr val="phClr">
+              <a:shade val="95000"/>
+              <a:satMod val="105000"/>
+            </a:schemeClr>
+          </a:solidFill>
+          <a:prstDash val="solid"/>
+        </a:ln>
+        <a:ln w="25400" cap="flat" cmpd="sng" algn="ctr">
+          <a:solidFill>
+            <a:schemeClr val="phClr"/>
+          </a:solidFill>
+          <a:prstDash val="solid"/>
+        </a:ln>
+        <a:ln w="38100" cap="flat" cmpd="sng" algn="ctr">
+          <a:solidFill>
+            <a:schemeClr val="phClr"/>
+          </a:solidFill>
+          <a:prstDash val="solid"/>
+        </a:ln>
+      </a:lnStyleLst>
+      <a:effectStyleLst>
+        <a:effectStyle>
+          <a:effectLst>
+            <a:outerShdw blurRad="40000" dist="20000" dir="5400000" rotWithShape="0">
+              <a:srgbClr val="000000">
+                <a:alpha val="38000"/>
+              </a:srgbClr>
+            </a:outerShdw>
+          </a:effectLst>
+        </a:effectStyle>
+        <a:effectStyle>
+          <a:effectLst>
+            <a:outerShdw blurRad="40000" dist="23000" dir="5400000" rotWithShape="0">
+              <a:srgbClr val="000000">
+                <a:alpha val="35000"/>
+              </a:srgbClr>
+            </a:outerShdw>
+          </a:effectLst>
+        </a:effectStyle>
+        <a:effectStyle>
+          <a:effectLst>
+            <a:outerShdw blurRad="40000" dist="23000" dir="5400000" rotWithShape="0">
+              <a:srgbClr val="000000">
+                <a:alpha val="35000"/>
+              </a:srgbClr>
+            </a:outerShdw>
+          </a:effectLst>
+          <a:scene3d>
+            <a:camera prst="orthographicFront">
+              <a:rot lat="0" lon="0" rev="0"/>
+            </a:camera>
+            <a:lightRig rig="threePt" dir="t">
+              <a:rot lat="0" lon="0" rev="1200000"/>
+            </a:lightRig>
+          </a:scene3d>
+          <a:sp3d>
+            <a:bevelT w="63500" h="25400"/>
+          </a:sp3d>
+        </a:effectStyle>
+      </a:effectStyleLst>
+      <a:bgFillStyleLst>
+        <a:solidFill>
+          <a:schemeClr val="phClr"/>
+        </a:solidFill>
+        <a:gradFill rotWithShape="1">
+          <a:gsLst>
+            <a:gs pos="0">
+              <a:schemeClr val="phClr">
+                <a:tint val="40000"/>
+                <a:satMod val="350000"/>
+              </a:schemeClr>
+            </a:gs>
+            <a:gs pos="40000">
+              <a:schemeClr val="phClr">
+                <a:tint val="45000"/>
+                <a:shade val="99000"/>
+                <a:satMod val="350000"/>
+              </a:schemeClr>
+            </a:gs>
+            <a:gs pos="100000">
+              <a:schemeClr val="phClr">
+                <a:shade val="20000"/>
+                <a:satMod val="255000"/>
+              </a:schemeClr>
+            </a:gs>
+          </a:gsLst>
+          <a:path path="circle">
+            <a:fillToRect l="50000" t="-80000" r="50000" b="180000"/>
+          </a:path>
+        </a:gradFill>
+        <a:gradFill rotWithShape="1">
+          <a:gsLst>
+            <a:gs pos="0">
+              <a:schemeClr val="phClr">
+                <a:tint val="80000"/>
+                <a:satMod val="300000"/>
+              </a:schemeClr>
+            </a:gs>
+            <a:gs pos="100000">
+              <a:schemeClr val="phClr">
+                <a:shade val="30000"/>
+                <a:satMod val="200000"/>
+              </a:schemeClr>
+            </a:gs>
+          </a:gsLst>
+          <a:path path="circle">
+            <a:fillToRect l="50000" t="50000" r="50000" b="50000"/>
+          </a:path>
+        </a:gradFill>
+      </a:bgFillStyleLst>
+    </a:fmtScheme>
+  </a:themeElements>
+</a:theme>
+</file>
+
+<file path=ppt/theme/theme2.xml><?xml version="1.0" encoding="utf-8"?>
 <a:theme xmlns:a="http://schemas.openxmlformats.org/drawingml/2006/main" xmlns:r="http://schemas.openxmlformats.org/officeDocument/2006/relationships">
   <a:themeElements>
     <a:clrScheme name="Default">
@@ -14054,283 +14376,4 @@
     </a:fmtScheme>
   </a:themeElements>
 </a:theme>
-</file>
-
-<file path=ppt/theme/theme2.xml><?xml version="1.0" encoding="utf-8"?>
-<a:theme xmlns:a="http://schemas.openxmlformats.org/drawingml/2006/main" xmlns:r="http://schemas.openxmlformats.org/officeDocument/2006/relationships" name="Office Theme">
-  <a:themeElements>
-    <a:clrScheme name="Office">
-      <a:dk1>
-        <a:srgbClr val="000000"/>
-      </a:dk1>
-      <a:lt1>
-        <a:srgbClr val="FFFFFF"/>
-      </a:lt1>
-      <a:dk2>
-        <a:srgbClr val="1F497D"/>
-      </a:dk2>
-      <a:lt2>
-        <a:srgbClr val="EEECE1"/>
-      </a:lt2>
-      <a:accent1>
-        <a:srgbClr val="4F81BD"/>
-      </a:accent1>
-      <a:accent2>
-        <a:srgbClr val="C0504D"/>
-      </a:accent2>
-      <a:accent3>
-        <a:srgbClr val="9BBB59"/>
-      </a:accent3>
-      <a:accent4>
-        <a:srgbClr val="8064A2"/>
-      </a:accent4>
-      <a:accent5>
-        <a:srgbClr val="4BACC6"/>
-      </a:accent5>
-      <a:accent6>
-        <a:srgbClr val="F79646"/>
-      </a:accent6>
-      <a:hlink>
-        <a:srgbClr val="0000FF"/>
-      </a:hlink>
-      <a:folHlink>
-        <a:srgbClr val="800080"/>
-      </a:folHlink>
-    </a:clrScheme>
-    <a:fontScheme name="Office">
-      <a:majorFont>
-        <a:latin typeface="Arial"/>
-        <a:ea typeface=""/>
-        <a:cs typeface=""/>
-        <a:font script="Jpan" typeface="ＭＳ Ｐゴシック"/>
-        <a:font script="Hang" typeface="맑은 고딕"/>
-        <a:font script="Hans" typeface="宋体"/>
-        <a:font script="Hant" typeface="新細明體"/>
-        <a:font script="Arab" typeface="Times New Roman"/>
-        <a:font script="Hebr" typeface="Times New Roman"/>
-        <a:font script="Thai" typeface="Angsana New"/>
-        <a:font script="Ethi" typeface="Nyala"/>
-        <a:font script="Beng" typeface="Vrinda"/>
-        <a:font script="Gujr" typeface="Shruti"/>
-        <a:font script="Khmr" typeface="MoolBoran"/>
-        <a:font script="Knda" typeface="Tunga"/>
-        <a:font script="Guru" typeface="Raavi"/>
-        <a:font script="Cans" typeface="Euphemia"/>
-        <a:font script="Cher" typeface="Plantagenet Cherokee"/>
-        <a:font script="Yiii" typeface="Microsoft Yi Baiti"/>
-        <a:font script="Tibt" typeface="Microsoft Himalaya"/>
-        <a:font script="Thaa" typeface="MV Boli"/>
-        <a:font script="Deva" typeface="Mangal"/>
-        <a:font script="Telu" typeface="Gautami"/>
-        <a:font script="Taml" typeface="Latha"/>
-        <a:font script="Syrc" typeface="Estrangelo Edessa"/>
-        <a:font script="Orya" typeface="Kalinga"/>
-        <a:font script="Mlym" typeface="Kartika"/>
-        <a:font script="Laoo" typeface="DokChampa"/>
-        <a:font script="Sinh" typeface="Iskoola Pota"/>
-        <a:font script="Mong" typeface="Mongolian Baiti"/>
-        <a:font script="Viet" typeface="Times New Roman"/>
-        <a:font script="Uigh" typeface="Microsoft Uighur"/>
-        <a:font script="Geor" typeface="Sylfaen"/>
-      </a:majorFont>
-      <a:minorFont>
-        <a:latin typeface="Arial"/>
-        <a:ea typeface=""/>
-        <a:cs typeface=""/>
-        <a:font script="Jpan" typeface="ＭＳ Ｐゴシック"/>
-        <a:font script="Hang" typeface="맑은 고딕"/>
-        <a:font script="Hans" typeface="宋体"/>
-        <a:font script="Hant" typeface="新細明體"/>
-        <a:font script="Arab" typeface="Arial"/>
-        <a:font script="Hebr" typeface="Arial"/>
-        <a:font script="Thai" typeface="Cordia New"/>
-        <a:font script="Ethi" typeface="Nyala"/>
-        <a:font script="Beng" typeface="Vrinda"/>
-        <a:font script="Gujr" typeface="Shruti"/>
-        <a:font script="Khmr" typeface="DaunPenh"/>
-        <a:font script="Knda" typeface="Tunga"/>
-        <a:font script="Guru" typeface="Raavi"/>
-        <a:font script="Cans" typeface="Euphemia"/>
-        <a:font script="Cher" typeface="Plantagenet Cherokee"/>
-        <a:font script="Yiii" typeface="Microsoft Yi Baiti"/>
-        <a:font script="Tibt" typeface="Microsoft Himalaya"/>
-        <a:font script="Thaa" typeface="MV Boli"/>
-        <a:font script="Deva" typeface="Mangal"/>
-        <a:font script="Telu" typeface="Gautami"/>
-        <a:font script="Taml" typeface="Latha"/>
-        <a:font script="Syrc" typeface="Estrangelo Edessa"/>
-        <a:font script="Orya" typeface="Kalinga"/>
-        <a:font script="Mlym" typeface="Kartika"/>
-        <a:font script="Laoo" typeface="DokChampa"/>
-        <a:font script="Sinh" typeface="Iskoola Pota"/>
-        <a:font script="Mong" typeface="Mongolian Baiti"/>
-        <a:font script="Viet" typeface="Arial"/>
-        <a:font script="Uigh" typeface="Microsoft Uighur"/>
-        <a:font script="Geor" typeface="Sylfaen"/>
-      </a:minorFont>
-    </a:fontScheme>
-    <a:fmtScheme name="Office">
-      <a:fillStyleLst>
-        <a:solidFill>
-          <a:schemeClr val="phClr"/>
-        </a:solidFill>
-        <a:gradFill rotWithShape="1">
-          <a:gsLst>
-            <a:gs pos="0">
-              <a:schemeClr val="phClr">
-                <a:tint val="50000"/>
-                <a:satMod val="300000"/>
-              </a:schemeClr>
-            </a:gs>
-            <a:gs pos="35000">
-              <a:schemeClr val="phClr">
-                <a:tint val="37000"/>
-                <a:satMod val="300000"/>
-              </a:schemeClr>
-            </a:gs>
-            <a:gs pos="100000">
-              <a:schemeClr val="phClr">
-                <a:tint val="15000"/>
-                <a:satMod val="350000"/>
-              </a:schemeClr>
-            </a:gs>
-          </a:gsLst>
-          <a:lin ang="16200000" scaled="1"/>
-        </a:gradFill>
-        <a:gradFill rotWithShape="1">
-          <a:gsLst>
-            <a:gs pos="0">
-              <a:schemeClr val="phClr">
-                <a:tint val="100000"/>
-                <a:shade val="100000"/>
-                <a:satMod val="130000"/>
-              </a:schemeClr>
-            </a:gs>
-            <a:gs pos="100000">
-              <a:schemeClr val="phClr">
-                <a:tint val="50000"/>
-                <a:shade val="100000"/>
-                <a:satMod val="350000"/>
-              </a:schemeClr>
-            </a:gs>
-          </a:gsLst>
-          <a:lin ang="16200000" scaled="0"/>
-        </a:gradFill>
-      </a:fillStyleLst>
-      <a:lnStyleLst>
-        <a:ln w="9525" cap="flat" cmpd="sng" algn="ctr">
-          <a:solidFill>
-            <a:schemeClr val="phClr">
-              <a:shade val="95000"/>
-              <a:satMod val="105000"/>
-            </a:schemeClr>
-          </a:solidFill>
-          <a:prstDash val="solid"/>
-        </a:ln>
-        <a:ln w="25400" cap="flat" cmpd="sng" algn="ctr">
-          <a:solidFill>
-            <a:schemeClr val="phClr"/>
-          </a:solidFill>
-          <a:prstDash val="solid"/>
-        </a:ln>
-        <a:ln w="38100" cap="flat" cmpd="sng" algn="ctr">
-          <a:solidFill>
-            <a:schemeClr val="phClr"/>
-          </a:solidFill>
-          <a:prstDash val="solid"/>
-        </a:ln>
-      </a:lnStyleLst>
-      <a:effectStyleLst>
-        <a:effectStyle>
-          <a:effectLst>
-            <a:outerShdw blurRad="40000" dist="20000" dir="5400000" rotWithShape="0">
-              <a:srgbClr val="000000">
-                <a:alpha val="38000"/>
-              </a:srgbClr>
-            </a:outerShdw>
-          </a:effectLst>
-        </a:effectStyle>
-        <a:effectStyle>
-          <a:effectLst>
-            <a:outerShdw blurRad="40000" dist="23000" dir="5400000" rotWithShape="0">
-              <a:srgbClr val="000000">
-                <a:alpha val="35000"/>
-              </a:srgbClr>
-            </a:outerShdw>
-          </a:effectLst>
-        </a:effectStyle>
-        <a:effectStyle>
-          <a:effectLst>
-            <a:outerShdw blurRad="40000" dist="23000" dir="5400000" rotWithShape="0">
-              <a:srgbClr val="000000">
-                <a:alpha val="35000"/>
-              </a:srgbClr>
-            </a:outerShdw>
-          </a:effectLst>
-          <a:scene3d>
-            <a:camera prst="orthographicFront">
-              <a:rot lat="0" lon="0" rev="0"/>
-            </a:camera>
-            <a:lightRig rig="threePt" dir="t">
-              <a:rot lat="0" lon="0" rev="1200000"/>
-            </a:lightRig>
-          </a:scene3d>
-          <a:sp3d>
-            <a:bevelT w="63500" h="25400"/>
-          </a:sp3d>
-        </a:effectStyle>
-      </a:effectStyleLst>
-      <a:bgFillStyleLst>
-        <a:solidFill>
-          <a:schemeClr val="phClr"/>
-        </a:solidFill>
-        <a:gradFill rotWithShape="1">
-          <a:gsLst>
-            <a:gs pos="0">
-              <a:schemeClr val="phClr">
-                <a:tint val="40000"/>
-                <a:satMod val="350000"/>
-              </a:schemeClr>
-            </a:gs>
-            <a:gs pos="40000">
-              <a:schemeClr val="phClr">
-                <a:tint val="45000"/>
-                <a:shade val="99000"/>
-                <a:satMod val="350000"/>
-              </a:schemeClr>
-            </a:gs>
-            <a:gs pos="100000">
-              <a:schemeClr val="phClr">
-                <a:shade val="20000"/>
-                <a:satMod val="255000"/>
-              </a:schemeClr>
-            </a:gs>
-          </a:gsLst>
-          <a:path path="circle">
-            <a:fillToRect l="50000" t="-80000" r="50000" b="180000"/>
-          </a:path>
-        </a:gradFill>
-        <a:gradFill rotWithShape="1">
-          <a:gsLst>
-            <a:gs pos="0">
-              <a:schemeClr val="phClr">
-                <a:tint val="80000"/>
-                <a:satMod val="300000"/>
-              </a:schemeClr>
-            </a:gs>
-            <a:gs pos="100000">
-              <a:schemeClr val="phClr">
-                <a:shade val="30000"/>
-                <a:satMod val="200000"/>
-              </a:schemeClr>
-            </a:gs>
-          </a:gsLst>
-          <a:path path="circle">
-            <a:fillToRect l="50000" t="50000" r="50000" b="50000"/>
-          </a:path>
-        </a:gradFill>
-      </a:bgFillStyleLst>
-    </a:fmtScheme>
-  </a:themeElements>
-</a:theme>
 </file>